--- a/lesson12.pptx
+++ b/lesson12.pptx
@@ -21,8 +21,8 @@
     <p:sldId id="675" r:id="rId12"/>
     <p:sldId id="672" r:id="rId13"/>
     <p:sldId id="671" r:id="rId14"/>
-    <p:sldId id="680" r:id="rId15"/>
-    <p:sldId id="681" r:id="rId16"/>
+    <p:sldId id="383" r:id="rId15"/>
+    <p:sldId id="760" r:id="rId16"/>
   </p:sldIdLst>
   <p:sldSz cx="12192000" cy="6858000"/>
   <p:notesSz cx="6858000" cy="9144000"/>
@@ -140,15 +140,30 @@
 </p:presentation>
 </file>
 
+<file path=ppt/revisionInfo.xml><?xml version="1.0" encoding="utf-8"?>
+<p1510:revInfo xmlns:a="http://schemas.openxmlformats.org/drawingml/2006/main" xmlns:r="http://schemas.openxmlformats.org/officeDocument/2006/relationships" xmlns:p1510="http://schemas.microsoft.com/office/powerpoint/2015/10/main">
+  <p1510:revLst>
+    <p1510:client id="{F0592ED3-4676-452C-99E3-4F2E7D29327B}" v="17" dt="2022-01-18T15:10:49.746"/>
+  </p1510:revLst>
+</p1510:revInfo>
+</file>
+
 <file path=ppt/changesInfos/changesInfo1.xml><?xml version="1.0" encoding="utf-8"?>
 <pc:chgInfo xmlns:a="http://schemas.openxmlformats.org/drawingml/2006/main" xmlns:r="http://schemas.openxmlformats.org/officeDocument/2006/relationships" xmlns:ac="http://schemas.microsoft.com/office/drawing/2013/main/command" xmlns:pc="http://schemas.microsoft.com/office/powerpoint/2013/main/command">
   <pc:docChgLst>
     <pc:chgData name="Anatoliy Kigel" userId="7432c6c4687b0a9c" providerId="LiveId" clId="{F0592ED3-4676-452C-99E3-4F2E7D29327B}"/>
-    <pc:docChg chg="modSld">
-      <pc:chgData name="Anatoliy Kigel" userId="7432c6c4687b0a9c" providerId="LiveId" clId="{F0592ED3-4676-452C-99E3-4F2E7D29327B}" dt="2022-01-17T08:39:54.649" v="21" actId="403"/>
+    <pc:docChg chg="custSel addSld delSld modSld">
+      <pc:chgData name="Anatoliy Kigel" userId="7432c6c4687b0a9c" providerId="LiveId" clId="{F0592ED3-4676-452C-99E3-4F2E7D29327B}" dt="2022-01-18T15:10:49.746" v="130" actId="1036"/>
       <pc:docMkLst>
         <pc:docMk/>
       </pc:docMkLst>
+      <pc:sldChg chg="add">
+        <pc:chgData name="Anatoliy Kigel" userId="7432c6c4687b0a9c" providerId="LiveId" clId="{F0592ED3-4676-452C-99E3-4F2E7D29327B}" dt="2022-01-18T15:09:34.892" v="22"/>
+        <pc:sldMkLst>
+          <pc:docMk/>
+          <pc:sldMk cId="2717058134" sldId="383"/>
+        </pc:sldMkLst>
+      </pc:sldChg>
       <pc:sldChg chg="modSp mod">
         <pc:chgData name="Anatoliy Kigel" userId="7432c6c4687b0a9c" providerId="LiveId" clId="{F0592ED3-4676-452C-99E3-4F2E7D29327B}" dt="2022-01-17T08:39:54.649" v="21" actId="403"/>
         <pc:sldMkLst>
@@ -163,6 +178,75 @@
             <ac:spMk id="5" creationId="{00000000-0000-0000-0000-000000000000}"/>
           </ac:spMkLst>
         </pc:spChg>
+      </pc:sldChg>
+      <pc:sldChg chg="del">
+        <pc:chgData name="Anatoliy Kigel" userId="7432c6c4687b0a9c" providerId="LiveId" clId="{F0592ED3-4676-452C-99E3-4F2E7D29327B}" dt="2022-01-18T15:10:10.072" v="75" actId="47"/>
+        <pc:sldMkLst>
+          <pc:docMk/>
+          <pc:sldMk cId="2767547570" sldId="680"/>
+        </pc:sldMkLst>
+      </pc:sldChg>
+      <pc:sldChg chg="delSp del">
+        <pc:chgData name="Anatoliy Kigel" userId="7432c6c4687b0a9c" providerId="LiveId" clId="{F0592ED3-4676-452C-99E3-4F2E7D29327B}" dt="2022-01-18T15:10:07.868" v="74" actId="47"/>
+        <pc:sldMkLst>
+          <pc:docMk/>
+          <pc:sldMk cId="2772604722" sldId="681"/>
+        </pc:sldMkLst>
+        <pc:picChg chg="del">
+          <ac:chgData name="Anatoliy Kigel" userId="7432c6c4687b0a9c" providerId="LiveId" clId="{F0592ED3-4676-452C-99E3-4F2E7D29327B}" dt="2022-01-18T15:09:40.299" v="24" actId="21"/>
+          <ac:picMkLst>
+            <pc:docMk/>
+            <pc:sldMk cId="2772604722" sldId="681"/>
+            <ac:picMk id="1026" creationId="{00000000-0000-0000-0000-000000000000}"/>
+          </ac:picMkLst>
+        </pc:picChg>
+      </pc:sldChg>
+      <pc:sldChg chg="addSp delSp modSp add mod">
+        <pc:chgData name="Anatoliy Kigel" userId="7432c6c4687b0a9c" providerId="LiveId" clId="{F0592ED3-4676-452C-99E3-4F2E7D29327B}" dt="2022-01-18T15:10:49.746" v="130" actId="1036"/>
+        <pc:sldMkLst>
+          <pc:docMk/>
+          <pc:sldMk cId="2573887449" sldId="760"/>
+        </pc:sldMkLst>
+        <pc:spChg chg="add mod">
+          <ac:chgData name="Anatoliy Kigel" userId="7432c6c4687b0a9c" providerId="LiveId" clId="{F0592ED3-4676-452C-99E3-4F2E7D29327B}" dt="2022-01-18T15:10:40.485" v="126" actId="403"/>
+          <ac:spMkLst>
+            <pc:docMk/>
+            <pc:sldMk cId="2573887449" sldId="760"/>
+            <ac:spMk id="2" creationId="{49E6F2AD-6EC9-44D7-BBD8-910758FFE3DF}"/>
+          </ac:spMkLst>
+        </pc:spChg>
+        <pc:spChg chg="mod">
+          <ac:chgData name="Anatoliy Kigel" userId="7432c6c4687b0a9c" providerId="LiveId" clId="{F0592ED3-4676-452C-99E3-4F2E7D29327B}" dt="2022-01-18T15:10:30.965" v="113" actId="1035"/>
+          <ac:spMkLst>
+            <pc:docMk/>
+            <pc:sldMk cId="2573887449" sldId="760"/>
+            <ac:spMk id="9" creationId="{00000000-0000-0000-0000-000000000000}"/>
+          </ac:spMkLst>
+        </pc:spChg>
+        <pc:spChg chg="del">
+          <ac:chgData name="Anatoliy Kigel" userId="7432c6c4687b0a9c" providerId="LiveId" clId="{F0592ED3-4676-452C-99E3-4F2E7D29327B}" dt="2022-01-18T15:09:59.761" v="63" actId="478"/>
+          <ac:spMkLst>
+            <pc:docMk/>
+            <pc:sldMk cId="2573887449" sldId="760"/>
+            <ac:spMk id="11" creationId="{00000000-0000-0000-0000-000000000000}"/>
+          </ac:spMkLst>
+        </pc:spChg>
+        <pc:picChg chg="add mod">
+          <ac:chgData name="Anatoliy Kigel" userId="7432c6c4687b0a9c" providerId="LiveId" clId="{F0592ED3-4676-452C-99E3-4F2E7D29327B}" dt="2022-01-18T15:10:49.746" v="130" actId="1036"/>
+          <ac:picMkLst>
+            <pc:docMk/>
+            <pc:sldMk cId="2573887449" sldId="760"/>
+            <ac:picMk id="6" creationId="{3D5D75A9-B2B0-40D4-B2FB-76A4A14E2251}"/>
+          </ac:picMkLst>
+        </pc:picChg>
+        <pc:picChg chg="del">
+          <ac:chgData name="Anatoliy Kigel" userId="7432c6c4687b0a9c" providerId="LiveId" clId="{F0592ED3-4676-452C-99E3-4F2E7D29327B}" dt="2022-01-18T15:09:37.144" v="23" actId="478"/>
+          <ac:picMkLst>
+            <pc:docMk/>
+            <pc:sldMk cId="2573887449" sldId="760"/>
+            <ac:picMk id="3074" creationId="{00000000-0000-0000-0000-000000000000}"/>
+          </ac:picMkLst>
+        </pc:picChg>
       </pc:sldChg>
     </pc:docChg>
   </pc:docChgLst>
@@ -650,7 +734,7 @@
             <a:fld id="{85522811-C5C6-42D2-A409-F8556720C93F}" type="datetimeFigureOut">
               <a:rPr lang="uk-UA" smtClean="0"/>
               <a:pPr/>
-              <a:t>17.01.2022</a:t>
+              <a:t>18.01.2022</a:t>
             </a:fld>
             <a:endParaRPr lang="uk-UA"/>
           </a:p>
@@ -1280,7 +1364,7 @@
             <a:fld id="{0A2E6AC4-C3FE-4E70-88D1-136405B25267}" type="datetime1">
               <a:rPr lang="uk-UA" smtClean="0"/>
               <a:pPr/>
-              <a:t>17.01.2022</a:t>
+              <a:t>18.01.2022</a:t>
             </a:fld>
             <a:endParaRPr lang="uk-UA"/>
           </a:p>
@@ -1447,7 +1531,7 @@
             <a:fld id="{B4D85949-5AE9-41F1-B18C-DA1006B0E8CC}" type="datetime1">
               <a:rPr lang="uk-UA" smtClean="0"/>
               <a:pPr/>
-              <a:t>17.01.2022</a:t>
+              <a:t>18.01.2022</a:t>
             </a:fld>
             <a:endParaRPr lang="uk-UA"/>
           </a:p>
@@ -1624,7 +1708,7 @@
             <a:fld id="{B20C227C-94C5-4BA1-A89C-1C7570144B22}" type="datetime1">
               <a:rPr lang="uk-UA" smtClean="0"/>
               <a:pPr/>
-              <a:t>17.01.2022</a:t>
+              <a:t>18.01.2022</a:t>
             </a:fld>
             <a:endParaRPr lang="uk-UA"/>
           </a:p>
@@ -1791,7 +1875,7 @@
             <a:fld id="{68E2E168-B245-4D8D-8538-B29990DBF87B}" type="datetime1">
               <a:rPr lang="uk-UA" smtClean="0"/>
               <a:pPr/>
-              <a:t>17.01.2022</a:t>
+              <a:t>18.01.2022</a:t>
             </a:fld>
             <a:endParaRPr lang="uk-UA"/>
           </a:p>
@@ -2034,7 +2118,7 @@
             <a:fld id="{356DAF6E-7007-4E61-B36E-794BF232B234}" type="datetime1">
               <a:rPr lang="uk-UA" smtClean="0"/>
               <a:pPr/>
-              <a:t>17.01.2022</a:t>
+              <a:t>18.01.2022</a:t>
             </a:fld>
             <a:endParaRPr lang="uk-UA"/>
           </a:p>
@@ -2319,7 +2403,7 @@
             <a:fld id="{4B2141DD-FE72-44AA-B946-B70892F1F5B7}" type="datetime1">
               <a:rPr lang="uk-UA" smtClean="0"/>
               <a:pPr/>
-              <a:t>17.01.2022</a:t>
+              <a:t>18.01.2022</a:t>
             </a:fld>
             <a:endParaRPr lang="uk-UA"/>
           </a:p>
@@ -2738,7 +2822,7 @@
             <a:fld id="{D1C4DC7C-6CC4-4D1F-A21B-A650800E0532}" type="datetime1">
               <a:rPr lang="uk-UA" smtClean="0"/>
               <a:pPr/>
-              <a:t>17.01.2022</a:t>
+              <a:t>18.01.2022</a:t>
             </a:fld>
             <a:endParaRPr lang="uk-UA"/>
           </a:p>
@@ -2853,7 +2937,7 @@
             <a:fld id="{09E753FA-BE70-4E9D-A1A2-A798C2E22C2C}" type="datetime1">
               <a:rPr lang="uk-UA" smtClean="0"/>
               <a:pPr/>
-              <a:t>17.01.2022</a:t>
+              <a:t>18.01.2022</a:t>
             </a:fld>
             <a:endParaRPr lang="uk-UA"/>
           </a:p>
@@ -2945,7 +3029,7 @@
             <a:fld id="{BC4E9D1B-A194-48C6-B5A1-4C29D0F81227}" type="datetime1">
               <a:rPr lang="uk-UA" smtClean="0"/>
               <a:pPr/>
-              <a:t>17.01.2022</a:t>
+              <a:t>18.01.2022</a:t>
             </a:fld>
             <a:endParaRPr lang="uk-UA"/>
           </a:p>
@@ -3219,7 +3303,7 @@
             <a:fld id="{98DC5B78-3AEE-4E8C-84A2-DF8B252C6B7D}" type="datetime1">
               <a:rPr lang="uk-UA" smtClean="0"/>
               <a:pPr/>
-              <a:t>17.01.2022</a:t>
+              <a:t>18.01.2022</a:t>
             </a:fld>
             <a:endParaRPr lang="uk-UA"/>
           </a:p>
@@ -3469,7 +3553,7 @@
             <a:fld id="{08E6AC05-7690-4D29-B090-15CFA8055B58}" type="datetime1">
               <a:rPr lang="uk-UA" smtClean="0"/>
               <a:pPr/>
-              <a:t>17.01.2022</a:t>
+              <a:t>18.01.2022</a:t>
             </a:fld>
             <a:endParaRPr lang="uk-UA"/>
           </a:p>
@@ -3679,7 +3763,7 @@
             <a:fld id="{C4778AB5-85A2-4D58-9351-A198925B541D}" type="datetime1">
               <a:rPr lang="uk-UA" smtClean="0"/>
               <a:pPr/>
-              <a:t>17.01.2022</a:t>
+              <a:t>18.01.2022</a:t>
             </a:fld>
             <a:endParaRPr lang="uk-UA"/>
           </a:p>
@@ -5244,14 +5328,7 @@
             <a:pPr algn="ctr"/>
             <a:r>
               <a:rPr lang="ru-RU" sz="6600" b="1" dirty="0"/>
-              <a:t>К следующему </a:t>
-            </a:r>
-          </a:p>
-          <a:p>
-            <a:pPr algn="ctr"/>
-            <a:r>
-              <a:rPr lang="ru-RU" sz="6600" b="1" dirty="0"/>
-              <a:t>занятию…</a:t>
+              <a:t>На следующем занятии</a:t>
             </a:r>
             <a:endParaRPr lang="uk-UA" sz="6600" b="1" dirty="0"/>
           </a:p>
@@ -5260,7 +5337,7 @@
     </p:spTree>
     <p:extLst>
       <p:ext uri="{BB962C8B-B14F-4D97-AF65-F5344CB8AC3E}">
-        <p14:creationId xmlns:p14="http://schemas.microsoft.com/office/powerpoint/2010/main" val="2767547570"/>
+        <p14:creationId xmlns:p14="http://schemas.microsoft.com/office/powerpoint/2010/main" val="2717058134"/>
       </p:ext>
     </p:extLst>
   </p:cSld>
@@ -5365,8 +5442,8 @@
         </p:nvSpPr>
         <p:spPr>
           <a:xfrm>
-            <a:off x="0" y="476672"/>
-            <a:ext cx="12192000" cy="600164"/>
+            <a:off x="0" y="620688"/>
+            <a:ext cx="12192000" cy="923330"/>
           </a:xfrm>
           <a:prstGeom prst="rect">
             <a:avLst/>
@@ -5380,56 +5457,14 @@
           <a:p>
             <a:pPr algn="ctr"/>
             <a:r>
-              <a:rPr lang="ru-RU" sz="3300" b="1" dirty="0"/>
-              <a:t>Адаптивная вёрстка</a:t>
-            </a:r>
-            <a:endParaRPr lang="ru-RU" sz="3300" i="1" dirty="0"/>
-          </a:p>
-        </p:txBody>
-      </p:sp>
-      <p:sp>
-        <p:nvSpPr>
-          <p:cNvPr id="10" name="TextBox 9"/>
-          <p:cNvSpPr txBox="1"/>
-          <p:nvPr/>
-        </p:nvSpPr>
-        <p:spPr>
-          <a:xfrm>
-            <a:off x="8256240" y="1525434"/>
-            <a:ext cx="2808312" cy="3416320"/>
-          </a:xfrm>
-          <a:prstGeom prst="rect">
-            <a:avLst/>
-          </a:prstGeom>
-          <a:noFill/>
-        </p:spPr>
-        <p:txBody>
-          <a:bodyPr wrap="square" rtlCol="0">
-            <a:spAutoFit/>
-          </a:bodyPr>
-          <a:lstStyle/>
-          <a:p>
-            <a:r>
-              <a:rPr lang="ru-RU" sz="2400" b="1" dirty="0">
-                <a:solidFill>
-                  <a:srgbClr val="7030A0"/>
-                </a:solidFill>
-              </a:rPr>
-              <a:t>Предварительные знания – лучший помощник</a:t>
-            </a:r>
-            <a:r>
-              <a:rPr lang="ru-RU" sz="2400" dirty="0"/>
-              <a:t> в обучении, поэтому к следующему занятию жду, что </a:t>
-            </a:r>
-            <a:r>
-              <a:rPr lang="ru-RU" sz="2400" b="1" dirty="0">
+              <a:rPr lang="ru-RU" sz="5400" b="1" dirty="0">
                 <a:solidFill>
                   <a:srgbClr val="00B050"/>
                 </a:solidFill>
               </a:rPr>
-              <a:t>посмотрите небольшой ролик о медиа-запросах.</a:t>
-            </a:r>
-            <a:endParaRPr lang="uk-UA" sz="2400" dirty="0">
+              <a:t>Адаптивность</a:t>
+            </a:r>
+            <a:endParaRPr lang="ru-RU" sz="5400" i="1" dirty="0">
               <a:solidFill>
                 <a:srgbClr val="00B050"/>
               </a:solidFill>
@@ -5437,48 +5472,22 @@
           </a:p>
         </p:txBody>
       </p:sp>
-      <p:sp>
-        <p:nvSpPr>
-          <p:cNvPr id="11" name="Прямоугольник 10"/>
-          <p:cNvSpPr/>
-          <p:nvPr/>
-        </p:nvSpPr>
-        <p:spPr>
-          <a:xfrm>
-            <a:off x="-24680" y="5589240"/>
-            <a:ext cx="12192000" cy="523220"/>
-          </a:xfrm>
-          <a:prstGeom prst="rect">
-            <a:avLst/>
-          </a:prstGeom>
-        </p:spPr>
-        <p:txBody>
-          <a:bodyPr wrap="square">
-            <a:spAutoFit/>
-          </a:bodyPr>
-          <a:lstStyle/>
-          <a:p>
-            <a:pPr algn="ctr"/>
-            <a:r>
-              <a:rPr lang="en-US" sz="2800" b="1" dirty="0">
-                <a:hlinkClick r:id="rId2"/>
-              </a:rPr>
-              <a:t>https://youtu.be/M-xc1EOMOIE</a:t>
-            </a:r>
-            <a:endParaRPr lang="uk-UA" sz="2800" b="1" dirty="0"/>
-          </a:p>
-        </p:txBody>
-      </p:sp>
       <p:pic>
         <p:nvPicPr>
-          <p:cNvPr id="1026" name="Picture 2" descr="https://internetingishard.com/html-and-css/responsive-design/simple-responsive-media-queries-703f8b.png"/>
+          <p:cNvPr id="6" name="Picture 2" descr="https://internetingishard.com/html-and-css/responsive-design/simple-responsive-media-queries-703f8b.png">
+            <a:extLst>
+              <a:ext uri="{FF2B5EF4-FFF2-40B4-BE49-F238E27FC236}">
+                <a16:creationId xmlns:a16="http://schemas.microsoft.com/office/drawing/2014/main" id="{3D5D75A9-B2B0-40D4-B2FB-76A4A14E2251}"/>
+              </a:ext>
+            </a:extLst>
+          </p:cNvPr>
           <p:cNvPicPr>
             <a:picLocks noChangeAspect="1" noChangeArrowheads="1"/>
           </p:cNvPicPr>
           <p:nvPr/>
         </p:nvPicPr>
         <p:blipFill>
-          <a:blip r:embed="rId3">
+          <a:blip r:embed="rId2">
             <a:extLst>
               <a:ext uri="{28A0092B-C50C-407E-A947-70E740481C1C}">
                 <a14:useLocalDpi xmlns:a14="http://schemas.microsoft.com/office/drawing/2010/main" val="0"/>
@@ -5492,8 +5501,8 @@
         </p:blipFill>
         <p:spPr bwMode="auto">
           <a:xfrm>
-            <a:off x="1271464" y="1948762"/>
-            <a:ext cx="6466384" cy="2569664"/>
+            <a:off x="1965562" y="1730402"/>
+            <a:ext cx="8260877" cy="3282774"/>
           </a:xfrm>
           <a:prstGeom prst="rect">
             <a:avLst/>
@@ -5510,10 +5519,47 @@
           </a:extLst>
         </p:spPr>
       </p:pic>
+      <p:sp>
+        <p:nvSpPr>
+          <p:cNvPr id="2" name="TextBox 1">
+            <a:extLst>
+              <a:ext uri="{FF2B5EF4-FFF2-40B4-BE49-F238E27FC236}">
+                <a16:creationId xmlns:a16="http://schemas.microsoft.com/office/drawing/2014/main" id="{49E6F2AD-6EC9-44D7-BBD8-910758FFE3DF}"/>
+              </a:ext>
+            </a:extLst>
+          </p:cNvPr>
+          <p:cNvSpPr txBox="1"/>
+          <p:nvPr/>
+        </p:nvSpPr>
+        <p:spPr>
+          <a:xfrm>
+            <a:off x="0" y="5301208"/>
+            <a:ext cx="12192000" cy="707886"/>
+          </a:xfrm>
+          <a:prstGeom prst="rect">
+            <a:avLst/>
+          </a:prstGeom>
+          <a:noFill/>
+        </p:spPr>
+        <p:txBody>
+          <a:bodyPr wrap="square" rtlCol="0">
+            <a:spAutoFit/>
+          </a:bodyPr>
+          <a:lstStyle/>
+          <a:p>
+            <a:pPr algn="ctr"/>
+            <a:r>
+              <a:rPr lang="ru-RU" sz="4000" b="1" dirty="0"/>
+              <a:t>Построение адаптивной вёрстки</a:t>
+            </a:r>
+            <a:endParaRPr lang="uk-UA" sz="4000" b="1" dirty="0"/>
+          </a:p>
+        </p:txBody>
+      </p:sp>
     </p:spTree>
     <p:extLst>
       <p:ext uri="{BB962C8B-B14F-4D97-AF65-F5344CB8AC3E}">
-        <p14:creationId xmlns:p14="http://schemas.microsoft.com/office/powerpoint/2010/main" val="2772604722"/>
+        <p14:creationId xmlns:p14="http://schemas.microsoft.com/office/powerpoint/2010/main" val="2573887449"/>
       </p:ext>
     </p:extLst>
   </p:cSld>

--- a/lesson12.pptx
+++ b/lesson12.pptx
@@ -5,24 +5,23 @@
     <p:sldMasterId id="2147483648" r:id="rId1"/>
   </p:sldMasterIdLst>
   <p:notesMasterIdLst>
-    <p:notesMasterId r:id="rId17"/>
+    <p:notesMasterId r:id="rId16"/>
   </p:notesMasterIdLst>
   <p:sldIdLst>
     <p:sldId id="711" r:id="rId2"/>
     <p:sldId id="333" r:id="rId3"/>
-    <p:sldId id="334" r:id="rId4"/>
-    <p:sldId id="335" r:id="rId5"/>
-    <p:sldId id="616" r:id="rId6"/>
-    <p:sldId id="674" r:id="rId7"/>
-    <p:sldId id="666" r:id="rId8"/>
-    <p:sldId id="668" r:id="rId9"/>
-    <p:sldId id="619" r:id="rId10"/>
-    <p:sldId id="673" r:id="rId11"/>
-    <p:sldId id="675" r:id="rId12"/>
-    <p:sldId id="672" r:id="rId13"/>
-    <p:sldId id="671" r:id="rId14"/>
-    <p:sldId id="383" r:id="rId15"/>
-    <p:sldId id="760" r:id="rId16"/>
+    <p:sldId id="335" r:id="rId4"/>
+    <p:sldId id="616" r:id="rId5"/>
+    <p:sldId id="674" r:id="rId6"/>
+    <p:sldId id="666" r:id="rId7"/>
+    <p:sldId id="668" r:id="rId8"/>
+    <p:sldId id="619" r:id="rId9"/>
+    <p:sldId id="673" r:id="rId10"/>
+    <p:sldId id="675" r:id="rId11"/>
+    <p:sldId id="672" r:id="rId12"/>
+    <p:sldId id="671" r:id="rId13"/>
+    <p:sldId id="383" r:id="rId14"/>
+    <p:sldId id="760" r:id="rId15"/>
   </p:sldIdLst>
   <p:sldSz cx="12192000" cy="6858000"/>
   <p:notesSz cx="6858000" cy="9144000"/>
@@ -153,10 +152,17 @@
   <pc:docChgLst>
     <pc:chgData name="Anatoliy Kigel" userId="7432c6c4687b0a9c" providerId="LiveId" clId="{F0592ED3-4676-452C-99E3-4F2E7D29327B}"/>
     <pc:docChg chg="custSel addSld delSld modSld">
-      <pc:chgData name="Anatoliy Kigel" userId="7432c6c4687b0a9c" providerId="LiveId" clId="{F0592ED3-4676-452C-99E3-4F2E7D29327B}" dt="2022-01-18T15:10:49.746" v="130" actId="1036"/>
+      <pc:chgData name="Anatoliy Kigel" userId="7432c6c4687b0a9c" providerId="LiveId" clId="{F0592ED3-4676-452C-99E3-4F2E7D29327B}" dt="2022-01-18T20:09:02.970" v="131" actId="47"/>
       <pc:docMkLst>
         <pc:docMk/>
       </pc:docMkLst>
+      <pc:sldChg chg="del">
+        <pc:chgData name="Anatoliy Kigel" userId="7432c6c4687b0a9c" providerId="LiveId" clId="{F0592ED3-4676-452C-99E3-4F2E7D29327B}" dt="2022-01-18T20:09:02.970" v="131" actId="47"/>
+        <pc:sldMkLst>
+          <pc:docMk/>
+          <pc:sldMk cId="570090362" sldId="334"/>
+        </pc:sldMkLst>
+      </pc:sldChg>
       <pc:sldChg chg="add">
         <pc:chgData name="Anatoliy Kigel" userId="7432c6c4687b0a9c" providerId="LiveId" clId="{F0592ED3-4676-452C-99E3-4F2E7D29327B}" dt="2022-01-18T15:09:34.892" v="22"/>
         <pc:sldMkLst>
@@ -1163,7 +1169,7 @@
             <a:fld id="{B2668688-711B-4328-ACFB-54B46FA90133}" type="slidenum">
               <a:rPr lang="uk-UA" smtClean="0"/>
               <a:pPr/>
-              <a:t>11</a:t>
+              <a:t>10</a:t>
             </a:fld>
             <a:endParaRPr lang="uk-UA"/>
           </a:p>
@@ -4392,100 +4398,6 @@
       </p:grpSpPr>
       <p:sp>
         <p:nvSpPr>
-          <p:cNvPr id="5" name="Прямоугольник 4"/>
-          <p:cNvSpPr/>
-          <p:nvPr/>
-        </p:nvSpPr>
-        <p:spPr>
-          <a:xfrm>
-            <a:off x="-29770" y="1495"/>
-            <a:ext cx="12192000" cy="6858000"/>
-          </a:xfrm>
-          <a:prstGeom prst="rect">
-            <a:avLst/>
-          </a:prstGeom>
-          <a:solidFill>
-            <a:schemeClr val="tx2">
-              <a:lumMod val="75000"/>
-            </a:schemeClr>
-          </a:solidFill>
-        </p:spPr>
-        <p:style>
-          <a:lnRef idx="2">
-            <a:schemeClr val="accent1">
-              <a:shade val="50000"/>
-            </a:schemeClr>
-          </a:lnRef>
-          <a:fillRef idx="1">
-            <a:schemeClr val="accent1"/>
-          </a:fillRef>
-          <a:effectRef idx="0">
-            <a:schemeClr val="accent1"/>
-          </a:effectRef>
-          <a:fontRef idx="minor">
-            <a:schemeClr val="lt1"/>
-          </a:fontRef>
-        </p:style>
-        <p:txBody>
-          <a:bodyPr rtlCol="0" anchor="ctr"/>
-          <a:lstStyle/>
-          <a:p>
-            <a:pPr algn="ctr"/>
-            <a:r>
-              <a:rPr lang="ru-RU" sz="6600" b="1" dirty="0"/>
-              <a:t>4. Анимация в </a:t>
-            </a:r>
-            <a:br>
-              <a:rPr lang="ru-RU" sz="6600" b="1" dirty="0"/>
-            </a:br>
-            <a:r>
-              <a:rPr lang="en-US" sz="6600" b="1" dirty="0">
-                <a:solidFill>
-                  <a:srgbClr val="FFFF00"/>
-                </a:solidFill>
-              </a:rPr>
-              <a:t>Font Awesome </a:t>
-            </a:r>
-            <a:endParaRPr lang="ru-RU" sz="6600" b="1" dirty="0">
-              <a:solidFill>
-                <a:srgbClr val="FFFF00"/>
-              </a:solidFill>
-            </a:endParaRPr>
-          </a:p>
-        </p:txBody>
-      </p:sp>
-    </p:spTree>
-    <p:extLst>
-      <p:ext uri="{BB962C8B-B14F-4D97-AF65-F5344CB8AC3E}">
-        <p14:creationId xmlns:p14="http://schemas.microsoft.com/office/powerpoint/2010/main" val="457322963"/>
-      </p:ext>
-    </p:extLst>
-  </p:cSld>
-  <p:clrMapOvr>
-    <a:masterClrMapping/>
-  </p:clrMapOvr>
-</p:sld>
-</file>
-
-<file path=ppt/slides/slide11.xml><?xml version="1.0" encoding="utf-8"?>
-<p:sld xmlns:a="http://schemas.openxmlformats.org/drawingml/2006/main" xmlns:r="http://schemas.openxmlformats.org/officeDocument/2006/relationships" xmlns:p="http://schemas.openxmlformats.org/presentationml/2006/main">
-  <p:cSld>
-    <p:spTree>
-      <p:nvGrpSpPr>
-        <p:cNvPr id="1" name=""/>
-        <p:cNvGrpSpPr/>
-        <p:nvPr/>
-      </p:nvGrpSpPr>
-      <p:grpSpPr>
-        <a:xfrm>
-          <a:off x="0" y="0"/>
-          <a:ext cx="0" cy="0"/>
-          <a:chOff x="0" y="0"/>
-          <a:chExt cx="0" cy="0"/>
-        </a:xfrm>
-      </p:grpSpPr>
-      <p:sp>
-        <p:nvSpPr>
           <p:cNvPr id="8" name="Номер слайда 36"/>
           <p:cNvSpPr txBox="1">
             <a:spLocks/>
@@ -4542,7 +4454,7 @@
               <a:pPr algn="ctr">
                 <a:defRPr/>
               </a:pPr>
-              <a:t>11</a:t>
+              <a:t>10</a:t>
             </a:fld>
             <a:endParaRPr lang="uk-UA" sz="2400" b="1" dirty="0">
               <a:solidFill>
@@ -4761,7 +4673,7 @@
 </p:sld>
 </file>
 
-<file path=ppt/slides/slide12.xml><?xml version="1.0" encoding="utf-8"?>
+<file path=ppt/slides/slide11.xml><?xml version="1.0" encoding="utf-8"?>
 <p:sld xmlns:a="http://schemas.openxmlformats.org/drawingml/2006/main" xmlns:r="http://schemas.openxmlformats.org/officeDocument/2006/relationships" xmlns:p="http://schemas.openxmlformats.org/presentationml/2006/main">
   <p:cSld>
     <p:spTree>
@@ -4851,7 +4763,7 @@
 </p:sld>
 </file>
 
-<file path=ppt/slides/slide13.xml><?xml version="1.0" encoding="utf-8"?>
+<file path=ppt/slides/slide12.xml><?xml version="1.0" encoding="utf-8"?>
 <p:sld xmlns:a="http://schemas.openxmlformats.org/drawingml/2006/main" xmlns:r="http://schemas.openxmlformats.org/officeDocument/2006/relationships" xmlns:p="http://schemas.openxmlformats.org/presentationml/2006/main">
   <p:cSld>
     <p:spTree>
@@ -4926,7 +4838,7 @@
               <a:pPr algn="ctr">
                 <a:defRPr/>
               </a:pPr>
-              <a:t>13</a:t>
+              <a:t>12</a:t>
             </a:fld>
             <a:endParaRPr lang="uk-UA" sz="2400" b="1" dirty="0">
               <a:solidFill>
@@ -5268,7 +5180,7 @@
 </p:sld>
 </file>
 
-<file path=ppt/slides/slide14.xml><?xml version="1.0" encoding="utf-8"?>
+<file path=ppt/slides/slide13.xml><?xml version="1.0" encoding="utf-8"?>
 <p:sld xmlns:a="http://schemas.openxmlformats.org/drawingml/2006/main" xmlns:r="http://schemas.openxmlformats.org/officeDocument/2006/relationships" xmlns:p="http://schemas.openxmlformats.org/presentationml/2006/main">
   <p:cSld>
     <p:spTree>
@@ -5347,7 +5259,7 @@
 </p:sld>
 </file>
 
-<file path=ppt/slides/slide15.xml><?xml version="1.0" encoding="utf-8"?>
+<file path=ppt/slides/slide14.xml><?xml version="1.0" encoding="utf-8"?>
 <p:sld xmlns:a="http://schemas.openxmlformats.org/drawingml/2006/main" xmlns:r="http://schemas.openxmlformats.org/officeDocument/2006/relationships" xmlns:p="http://schemas.openxmlformats.org/presentationml/2006/main">
   <p:cSld>
     <p:spTree>
@@ -5422,7 +5334,7 @@
               <a:pPr algn="ctr">
                 <a:defRPr/>
               </a:pPr>
-              <a:t>15</a:t>
+              <a:t>14</a:t>
             </a:fld>
             <a:endParaRPr lang="uk-UA" sz="2400" b="1" dirty="0">
               <a:solidFill>
@@ -5671,299 +5583,6 @@
       </p:grpSpPr>
       <p:sp>
         <p:nvSpPr>
-          <p:cNvPr id="20" name="Номер слайда 36"/>
-          <p:cNvSpPr txBox="1">
-            <a:spLocks/>
-          </p:cNvSpPr>
-          <p:nvPr/>
-        </p:nvSpPr>
-        <p:spPr>
-          <a:xfrm>
-            <a:off x="11280576" y="6165304"/>
-            <a:ext cx="648072" cy="432048"/>
-          </a:xfrm>
-          <a:prstGeom prst="roundRect">
-            <a:avLst/>
-          </a:prstGeom>
-          <a:ln w="25400" cap="flat" cmpd="sng" algn="ctr">
-            <a:solidFill>
-              <a:schemeClr val="tx2">
-                <a:lumMod val="60000"/>
-                <a:lumOff val="40000"/>
-              </a:schemeClr>
-            </a:solidFill>
-            <a:prstDash val="solid"/>
-          </a:ln>
-        </p:spPr>
-        <p:style>
-          <a:lnRef idx="2">
-            <a:schemeClr val="accent1"/>
-          </a:lnRef>
-          <a:fillRef idx="1">
-            <a:schemeClr val="lt1"/>
-          </a:fillRef>
-          <a:effectRef idx="0">
-            <a:schemeClr val="accent1"/>
-          </a:effectRef>
-          <a:fontRef idx="minor">
-            <a:schemeClr val="dk1"/>
-          </a:fontRef>
-        </p:style>
-        <p:txBody>
-          <a:bodyPr vert="horz" lIns="91440" tIns="45720" rIns="91440" bIns="45720" rtlCol="0" anchor="ctr"/>
-          <a:lstStyle/>
-          <a:p>
-            <a:pPr algn="ctr">
-              <a:defRPr/>
-            </a:pPr>
-            <a:fld id="{6389AA22-90B4-448C-8B6B-C699140D38B9}" type="slidenum">
-              <a:rPr lang="uk-UA" sz="2400" b="1">
-                <a:solidFill>
-                  <a:schemeClr val="bg1">
-                    <a:lumMod val="50000"/>
-                  </a:schemeClr>
-                </a:solidFill>
-              </a:rPr>
-              <a:pPr algn="ctr">
-                <a:defRPr/>
-              </a:pPr>
-              <a:t>3</a:t>
-            </a:fld>
-            <a:endParaRPr lang="uk-UA" sz="2400" b="1" dirty="0">
-              <a:solidFill>
-                <a:schemeClr val="bg1">
-                  <a:lumMod val="50000"/>
-                </a:schemeClr>
-              </a:solidFill>
-            </a:endParaRPr>
-          </a:p>
-        </p:txBody>
-      </p:sp>
-      <p:sp>
-        <p:nvSpPr>
-          <p:cNvPr id="10" name="TextBox 9"/>
-          <p:cNvSpPr txBox="1"/>
-          <p:nvPr/>
-        </p:nvSpPr>
-        <p:spPr>
-          <a:xfrm>
-            <a:off x="5879976" y="1484784"/>
-            <a:ext cx="6192688" cy="2554545"/>
-          </a:xfrm>
-          <a:prstGeom prst="rect">
-            <a:avLst/>
-          </a:prstGeom>
-          <a:noFill/>
-        </p:spPr>
-        <p:txBody>
-          <a:bodyPr wrap="square" rtlCol="0">
-            <a:spAutoFit/>
-          </a:bodyPr>
-          <a:lstStyle/>
-          <a:p>
-            <a:r>
-              <a:rPr lang="ru-RU" sz="4000" dirty="0"/>
-              <a:t>Анимация на веб-странице это изменение во времени того или иного стилевого</a:t>
-            </a:r>
-            <a:r>
-              <a:rPr lang="en-US" sz="4000" dirty="0"/>
-              <a:t> </a:t>
-            </a:r>
-            <a:r>
-              <a:rPr lang="ru-RU" sz="4000" dirty="0"/>
-              <a:t>свойства элемента.</a:t>
-            </a:r>
-          </a:p>
-        </p:txBody>
-      </p:sp>
-      <p:sp>
-        <p:nvSpPr>
-          <p:cNvPr id="5" name="TextBox 4"/>
-          <p:cNvSpPr txBox="1"/>
-          <p:nvPr/>
-        </p:nvSpPr>
-        <p:spPr>
-          <a:xfrm>
-            <a:off x="5907950" y="4221088"/>
-            <a:ext cx="4824536" cy="1815882"/>
-          </a:xfrm>
-          <a:prstGeom prst="rect">
-            <a:avLst/>
-          </a:prstGeom>
-          <a:noFill/>
-        </p:spPr>
-        <p:txBody>
-          <a:bodyPr wrap="square" rtlCol="0">
-            <a:spAutoFit/>
-          </a:bodyPr>
-          <a:lstStyle/>
-          <a:p>
-            <a:r>
-              <a:rPr lang="ru-RU" sz="2800" i="1" dirty="0"/>
-              <a:t>До появления </a:t>
-            </a:r>
-            <a:r>
-              <a:rPr lang="en-US" sz="2800" b="1" i="1" dirty="0"/>
-              <a:t>CSS 3 </a:t>
-            </a:r>
-            <a:r>
-              <a:rPr lang="ru-RU" sz="2800" i="1" dirty="0"/>
-              <a:t>анимация создавалась исключительно средствами </a:t>
-            </a:r>
-            <a:r>
-              <a:rPr lang="en-US" sz="2800" b="1" i="1" dirty="0"/>
-              <a:t>JavaScript</a:t>
-            </a:r>
-            <a:r>
-              <a:rPr lang="ru-RU" sz="2800" i="1" dirty="0"/>
-              <a:t>, но ничто не стоит на месте.</a:t>
-            </a:r>
-          </a:p>
-        </p:txBody>
-      </p:sp>
-      <p:cxnSp>
-        <p:nvCxnSpPr>
-          <p:cNvPr id="3" name="Прямая соединительная линия 2"/>
-          <p:cNvCxnSpPr/>
-          <p:nvPr/>
-        </p:nvCxnSpPr>
-        <p:spPr>
-          <a:xfrm>
-            <a:off x="5735960" y="1484784"/>
-            <a:ext cx="0" cy="4768210"/>
-          </a:xfrm>
-          <a:prstGeom prst="line">
-            <a:avLst/>
-          </a:prstGeom>
-          <a:ln w="28575">
-            <a:solidFill>
-              <a:schemeClr val="bg1">
-                <a:lumMod val="65000"/>
-              </a:schemeClr>
-            </a:solidFill>
-          </a:ln>
-        </p:spPr>
-        <p:style>
-          <a:lnRef idx="1">
-            <a:schemeClr val="accent1"/>
-          </a:lnRef>
-          <a:fillRef idx="0">
-            <a:schemeClr val="accent1"/>
-          </a:fillRef>
-          <a:effectRef idx="0">
-            <a:schemeClr val="accent1"/>
-          </a:effectRef>
-          <a:fontRef idx="minor">
-            <a:schemeClr val="tx1"/>
-          </a:fontRef>
-        </p:style>
-      </p:cxnSp>
-      <p:sp>
-        <p:nvSpPr>
-          <p:cNvPr id="6" name="TextBox 5"/>
-          <p:cNvSpPr txBox="1"/>
-          <p:nvPr/>
-        </p:nvSpPr>
-        <p:spPr>
-          <a:xfrm>
-            <a:off x="0" y="355303"/>
-            <a:ext cx="12192000" cy="769441"/>
-          </a:xfrm>
-          <a:prstGeom prst="rect">
-            <a:avLst/>
-          </a:prstGeom>
-          <a:noFill/>
-        </p:spPr>
-        <p:txBody>
-          <a:bodyPr wrap="square" rtlCol="0">
-            <a:spAutoFit/>
-          </a:bodyPr>
-          <a:lstStyle/>
-          <a:p>
-            <a:pPr algn="ctr"/>
-            <a:r>
-              <a:rPr lang="en-US" sz="4400" b="1" dirty="0"/>
-              <a:t>CSS  </a:t>
-            </a:r>
-            <a:r>
-              <a:rPr lang="ru-RU" sz="4400" b="1" dirty="0"/>
-              <a:t>и анимация</a:t>
-            </a:r>
-            <a:endParaRPr lang="uk-UA" sz="4400" b="1" dirty="0"/>
-          </a:p>
-        </p:txBody>
-      </p:sp>
-      <p:pic>
-        <p:nvPicPr>
-          <p:cNvPr id="8" name="Picture 4" descr="CSS Transitions"/>
-          <p:cNvPicPr>
-            <a:picLocks noChangeAspect="1" noChangeArrowheads="1"/>
-          </p:cNvPicPr>
-          <p:nvPr/>
-        </p:nvPicPr>
-        <p:blipFill rotWithShape="1">
-          <a:blip r:embed="rId2">
-            <a:extLst>
-              <a:ext uri="{28A0092B-C50C-407E-A947-70E740481C1C}">
-                <a14:useLocalDpi xmlns:a14="http://schemas.microsoft.com/office/drawing/2010/main" val="0"/>
-              </a:ext>
-            </a:extLst>
-          </a:blip>
-          <a:srcRect t="6294" b="33305"/>
-          <a:stretch/>
-        </p:blipFill>
-        <p:spPr bwMode="auto">
-          <a:xfrm>
-            <a:off x="479376" y="2920510"/>
-            <a:ext cx="4896544" cy="1896758"/>
-          </a:xfrm>
-          <a:prstGeom prst="rect">
-            <a:avLst/>
-          </a:prstGeom>
-          <a:noFill/>
-          <a:extLst>
-            <a:ext uri="{909E8E84-426E-40DD-AFC4-6F175D3DCCD1}">
-              <a14:hiddenFill xmlns:a14="http://schemas.microsoft.com/office/drawing/2010/main">
-                <a:solidFill>
-                  <a:srgbClr val="FFFFFF"/>
-                </a:solidFill>
-              </a14:hiddenFill>
-            </a:ext>
-          </a:extLst>
-        </p:spPr>
-      </p:pic>
-    </p:spTree>
-    <p:extLst>
-      <p:ext uri="{BB962C8B-B14F-4D97-AF65-F5344CB8AC3E}">
-        <p14:creationId xmlns:p14="http://schemas.microsoft.com/office/powerpoint/2010/main" val="570090362"/>
-      </p:ext>
-    </p:extLst>
-  </p:cSld>
-  <p:clrMapOvr>
-    <a:masterClrMapping/>
-  </p:clrMapOvr>
-</p:sld>
-</file>
-
-<file path=ppt/slides/slide4.xml><?xml version="1.0" encoding="utf-8"?>
-<p:sld xmlns:a="http://schemas.openxmlformats.org/drawingml/2006/main" xmlns:r="http://schemas.openxmlformats.org/officeDocument/2006/relationships" xmlns:p="http://schemas.openxmlformats.org/presentationml/2006/main">
-  <p:cSld>
-    <p:spTree>
-      <p:nvGrpSpPr>
-        <p:cNvPr id="1" name=""/>
-        <p:cNvGrpSpPr/>
-        <p:nvPr/>
-      </p:nvGrpSpPr>
-      <p:grpSpPr>
-        <a:xfrm>
-          <a:off x="0" y="0"/>
-          <a:ext cx="0" cy="0"/>
-          <a:chOff x="0" y="0"/>
-          <a:chExt cx="0" cy="0"/>
-        </a:xfrm>
-      </p:grpSpPr>
-      <p:sp>
-        <p:nvSpPr>
           <p:cNvPr id="8" name="Номер слайда 36"/>
           <p:cNvSpPr txBox="1">
             <a:spLocks/>
@@ -6020,7 +5639,7 @@
               <a:pPr algn="ctr">
                 <a:defRPr/>
               </a:pPr>
-              <a:t>4</a:t>
+              <a:t>3</a:t>
             </a:fld>
             <a:endParaRPr lang="uk-UA" sz="2400" b="1" dirty="0">
               <a:solidFill>
@@ -6267,7 +5886,7 @@
 </p:sld>
 </file>
 
-<file path=ppt/slides/slide5.xml><?xml version="1.0" encoding="utf-8"?>
+<file path=ppt/slides/slide4.xml><?xml version="1.0" encoding="utf-8"?>
 <p:sld xmlns:a="http://schemas.openxmlformats.org/drawingml/2006/main" xmlns:r="http://schemas.openxmlformats.org/officeDocument/2006/relationships" xmlns:p="http://schemas.openxmlformats.org/presentationml/2006/main">
   <p:cSld>
     <p:spTree>
@@ -6365,7 +5984,7 @@
 </p:sld>
 </file>
 
-<file path=ppt/slides/slide6.xml><?xml version="1.0" encoding="utf-8"?>
+<file path=ppt/slides/slide5.xml><?xml version="1.0" encoding="utf-8"?>
 <p:sld xmlns:a="http://schemas.openxmlformats.org/drawingml/2006/main" xmlns:r="http://schemas.openxmlformats.org/officeDocument/2006/relationships" xmlns:p="http://schemas.openxmlformats.org/presentationml/2006/main">
   <p:cSld>
     <p:spTree>
@@ -6440,7 +6059,7 @@
               <a:pPr algn="ctr">
                 <a:defRPr/>
               </a:pPr>
-              <a:t>6</a:t>
+              <a:t>5</a:t>
             </a:fld>
             <a:endParaRPr lang="uk-UA" sz="2400" b="1" dirty="0">
               <a:solidFill>
@@ -6665,7 +6284,7 @@
 </p:sld>
 </file>
 
-<file path=ppt/slides/slide7.xml><?xml version="1.0" encoding="utf-8"?>
+<file path=ppt/slides/slide6.xml><?xml version="1.0" encoding="utf-8"?>
 <p:sld xmlns:a="http://schemas.openxmlformats.org/drawingml/2006/main" xmlns:r="http://schemas.openxmlformats.org/officeDocument/2006/relationships" xmlns:p="http://schemas.openxmlformats.org/presentationml/2006/main">
   <p:cSld>
     <p:spTree>
@@ -6740,7 +6359,7 @@
               <a:pPr algn="ctr">
                 <a:defRPr/>
               </a:pPr>
-              <a:t>7</a:t>
+              <a:t>6</a:t>
             </a:fld>
             <a:endParaRPr lang="uk-UA" sz="2400" b="1" dirty="0">
               <a:solidFill>
@@ -7134,7 +6753,7 @@
 </p:sld>
 </file>
 
-<file path=ppt/slides/slide8.xml><?xml version="1.0" encoding="utf-8"?>
+<file path=ppt/slides/slide7.xml><?xml version="1.0" encoding="utf-8"?>
 <p:sld xmlns:a="http://schemas.openxmlformats.org/drawingml/2006/main" xmlns:r="http://schemas.openxmlformats.org/officeDocument/2006/relationships" xmlns:p="http://schemas.openxmlformats.org/presentationml/2006/main">
   <p:cSld>
     <p:spTree>
@@ -7213,7 +6832,7 @@
 </p:sld>
 </file>
 
-<file path=ppt/slides/slide9.xml><?xml version="1.0" encoding="utf-8"?>
+<file path=ppt/slides/slide8.xml><?xml version="1.0" encoding="utf-8"?>
 <p:sld xmlns:a="http://schemas.openxmlformats.org/drawingml/2006/main" xmlns:r="http://schemas.openxmlformats.org/officeDocument/2006/relationships" xmlns:p="http://schemas.openxmlformats.org/presentationml/2006/main">
   <p:cSld>
     <p:spTree>
@@ -7288,7 +6907,7 @@
               <a:pPr algn="ctr">
                 <a:defRPr/>
               </a:pPr>
-              <a:t>9</a:t>
+              <a:t>8</a:t>
             </a:fld>
             <a:endParaRPr lang="uk-UA" sz="2400" b="1" dirty="0">
               <a:solidFill>
@@ -7513,6 +7132,100 @@
     <p:extLst>
       <p:ext uri="{BB962C8B-B14F-4D97-AF65-F5344CB8AC3E}">
         <p14:creationId xmlns:p14="http://schemas.microsoft.com/office/powerpoint/2010/main" val="1589213892"/>
+      </p:ext>
+    </p:extLst>
+  </p:cSld>
+  <p:clrMapOvr>
+    <a:masterClrMapping/>
+  </p:clrMapOvr>
+</p:sld>
+</file>
+
+<file path=ppt/slides/slide9.xml><?xml version="1.0" encoding="utf-8"?>
+<p:sld xmlns:a="http://schemas.openxmlformats.org/drawingml/2006/main" xmlns:r="http://schemas.openxmlformats.org/officeDocument/2006/relationships" xmlns:p="http://schemas.openxmlformats.org/presentationml/2006/main">
+  <p:cSld>
+    <p:spTree>
+      <p:nvGrpSpPr>
+        <p:cNvPr id="1" name=""/>
+        <p:cNvGrpSpPr/>
+        <p:nvPr/>
+      </p:nvGrpSpPr>
+      <p:grpSpPr>
+        <a:xfrm>
+          <a:off x="0" y="0"/>
+          <a:ext cx="0" cy="0"/>
+          <a:chOff x="0" y="0"/>
+          <a:chExt cx="0" cy="0"/>
+        </a:xfrm>
+      </p:grpSpPr>
+      <p:sp>
+        <p:nvSpPr>
+          <p:cNvPr id="5" name="Прямоугольник 4"/>
+          <p:cNvSpPr/>
+          <p:nvPr/>
+        </p:nvSpPr>
+        <p:spPr>
+          <a:xfrm>
+            <a:off x="-29770" y="1495"/>
+            <a:ext cx="12192000" cy="6858000"/>
+          </a:xfrm>
+          <a:prstGeom prst="rect">
+            <a:avLst/>
+          </a:prstGeom>
+          <a:solidFill>
+            <a:schemeClr val="tx2">
+              <a:lumMod val="75000"/>
+            </a:schemeClr>
+          </a:solidFill>
+        </p:spPr>
+        <p:style>
+          <a:lnRef idx="2">
+            <a:schemeClr val="accent1">
+              <a:shade val="50000"/>
+            </a:schemeClr>
+          </a:lnRef>
+          <a:fillRef idx="1">
+            <a:schemeClr val="accent1"/>
+          </a:fillRef>
+          <a:effectRef idx="0">
+            <a:schemeClr val="accent1"/>
+          </a:effectRef>
+          <a:fontRef idx="minor">
+            <a:schemeClr val="lt1"/>
+          </a:fontRef>
+        </p:style>
+        <p:txBody>
+          <a:bodyPr rtlCol="0" anchor="ctr"/>
+          <a:lstStyle/>
+          <a:p>
+            <a:pPr algn="ctr"/>
+            <a:r>
+              <a:rPr lang="ru-RU" sz="6600" b="1" dirty="0"/>
+              <a:t>4. Анимация в </a:t>
+            </a:r>
+            <a:br>
+              <a:rPr lang="ru-RU" sz="6600" b="1" dirty="0"/>
+            </a:br>
+            <a:r>
+              <a:rPr lang="en-US" sz="6600" b="1" dirty="0">
+                <a:solidFill>
+                  <a:srgbClr val="FFFF00"/>
+                </a:solidFill>
+              </a:rPr>
+              <a:t>Font Awesome </a:t>
+            </a:r>
+            <a:endParaRPr lang="ru-RU" sz="6600" b="1" dirty="0">
+              <a:solidFill>
+                <a:srgbClr val="FFFF00"/>
+              </a:solidFill>
+            </a:endParaRPr>
+          </a:p>
+        </p:txBody>
+      </p:sp>
+    </p:spTree>
+    <p:extLst>
+      <p:ext uri="{BB962C8B-B14F-4D97-AF65-F5344CB8AC3E}">
+        <p14:creationId xmlns:p14="http://schemas.microsoft.com/office/powerpoint/2010/main" val="457322963"/>
       </p:ext>
     </p:extLst>
   </p:cSld>
